--- a/RS485-ös RFID kártyaolvasó rendszer.pptx
+++ b/RS485-ös RFID kártyaolvasó rendszer.pptx
@@ -18,23 +18,24 @@
     <p:sldId id="263" r:id="rId13"/>
     <p:sldId id="264" r:id="rId14"/>
     <p:sldId id="265" r:id="rId15"/>
+    <p:sldId id="266" r:id="rId16"/>
   </p:sldIdLst>
   <p:sldSz cy="5143500" cx="9144000"/>
   <p:notesSz cx="6858000" cy="9144000"/>
   <p:embeddedFontLst>
     <p:embeddedFont>
       <p:font typeface="Economica"/>
-      <p:regular r:id="rId16"/>
-      <p:bold r:id="rId17"/>
-      <p:italic r:id="rId18"/>
-      <p:boldItalic r:id="rId19"/>
+      <p:regular r:id="rId17"/>
+      <p:bold r:id="rId18"/>
+      <p:italic r:id="rId19"/>
+      <p:boldItalic r:id="rId20"/>
     </p:embeddedFont>
     <p:embeddedFont>
       <p:font typeface="Open Sans"/>
-      <p:regular r:id="rId20"/>
-      <p:bold r:id="rId21"/>
-      <p:italic r:id="rId22"/>
-      <p:boldItalic r:id="rId23"/>
+      <p:regular r:id="rId21"/>
+      <p:bold r:id="rId22"/>
+      <p:italic r:id="rId23"/>
+      <p:boldItalic r:id="rId24"/>
     </p:embeddedFont>
   </p:embeddedFontLst>
   <p:defaultTextStyle>
@@ -815,7 +816,7 @@
   <p:cSld>
     <p:spTree>
       <p:nvGrpSpPr>
-        <p:cNvPr id="129" name="Shape 129"/>
+        <p:cNvPr id="130" name="Shape 130"/>
         <p:cNvGrpSpPr/>
         <p:nvPr/>
       </p:nvGrpSpPr>
@@ -829,7 +830,7 @@
       </p:grpSpPr>
       <p:sp>
         <p:nvSpPr>
-          <p:cNvPr id="130" name="Google Shape;130;g1066ebbbc79_0_105:notes"/>
+          <p:cNvPr id="131" name="Google Shape;131;g12b088e6488_1_42:notes"/>
           <p:cNvSpPr/>
           <p:nvPr>
             <p:ph idx="2" type="sldImg"/>
@@ -864,7 +865,106 @@
       </p:sp>
       <p:sp>
         <p:nvSpPr>
-          <p:cNvPr id="131" name="Google Shape;131;g1066ebbbc79_0_105:notes"/>
+          <p:cNvPr id="132" name="Google Shape;132;g12b088e6488_1_42:notes"/>
+          <p:cNvSpPr txBox="1"/>
+          <p:nvPr>
+            <p:ph idx="1" type="body"/>
+          </p:nvPr>
+        </p:nvSpPr>
+        <p:spPr>
+          <a:xfrm>
+            <a:off x="685800" y="4343400"/>
+            <a:ext cx="5486400" cy="4114800"/>
+          </a:xfrm>
+          <a:prstGeom prst="rect">
+            <a:avLst/>
+          </a:prstGeom>
+        </p:spPr>
+        <p:txBody>
+          <a:bodyPr anchorCtr="0" anchor="t" bIns="91425" lIns="91425" spcFirstLastPara="1" rIns="91425" wrap="square" tIns="91425">
+            <a:noAutofit/>
+          </a:bodyPr>
+          <a:lstStyle/>
+          <a:p>
+            <a:pPr indent="0" lvl="0" marL="0" rtl="0" algn="l">
+              <a:spcBef>
+                <a:spcPts val="0"/>
+              </a:spcBef>
+              <a:spcAft>
+                <a:spcPts val="0"/>
+              </a:spcAft>
+              <a:buNone/>
+            </a:pPr>
+            <a:r>
+              <a:t/>
+            </a:r>
+            <a:endParaRPr/>
+          </a:p>
+        </p:txBody>
+      </p:sp>
+    </p:spTree>
+  </p:cSld>
+  <p:clrMapOvr>
+    <a:masterClrMapping/>
+  </p:clrMapOvr>
+</p:notes>
+</file>
+
+<file path=ppt/notesSlides/notesSlide11.xml><?xml version="1.0" encoding="utf-8"?>
+<p:notes xmlns:a="http://schemas.openxmlformats.org/drawingml/2006/main" xmlns:r="http://schemas.openxmlformats.org/officeDocument/2006/relationships" xmlns:mc="http://schemas.openxmlformats.org/markup-compatibility/2006" xmlns:mv="urn:schemas-microsoft-com:mac:vml" xmlns:p="http://schemas.openxmlformats.org/presentationml/2006/main" xmlns:c="http://schemas.openxmlformats.org/drawingml/2006/chart" xmlns:dgm="http://schemas.openxmlformats.org/drawingml/2006/diagram" xmlns:o="urn:schemas-microsoft-com:office:office" xmlns:v="urn:schemas-microsoft-com:vml" xmlns:pvml="urn:schemas-microsoft-com:office:powerpoint" xmlns:com="http://schemas.openxmlformats.org/drawingml/2006/compatibility" xmlns:p14="http://schemas.microsoft.com/office/powerpoint/2010/main" xmlns:p15="http://schemas.microsoft.com/office/powerpoint/2012/main" xmlns:ahyp="http://schemas.microsoft.com/office/drawing/2018/hyperlinkcolor" showMasterPhAnim="0" showMasterSp="0">
+  <p:cSld>
+    <p:spTree>
+      <p:nvGrpSpPr>
+        <p:cNvPr id="136" name="Shape 136"/>
+        <p:cNvGrpSpPr/>
+        <p:nvPr/>
+      </p:nvGrpSpPr>
+      <p:grpSpPr>
+        <a:xfrm>
+          <a:off x="0" y="0"/>
+          <a:ext cx="0" cy="0"/>
+          <a:chOff x="0" y="0"/>
+          <a:chExt cx="0" cy="0"/>
+        </a:xfrm>
+      </p:grpSpPr>
+      <p:sp>
+        <p:nvSpPr>
+          <p:cNvPr id="137" name="Google Shape;137;g1066ebbbc79_0_105:notes"/>
+          <p:cNvSpPr/>
+          <p:nvPr>
+            <p:ph idx="2" type="sldImg"/>
+          </p:nvPr>
+        </p:nvSpPr>
+        <p:spPr>
+          <a:xfrm>
+            <a:off x="381300" y="685800"/>
+            <a:ext cx="6096000" cy="3429000"/>
+          </a:xfrm>
+          <a:custGeom>
+            <a:rect b="b" l="l" r="r" t="t"/>
+            <a:pathLst>
+              <a:path extrusionOk="0" h="120000" w="120000">
+                <a:moveTo>
+                  <a:pt x="0" y="0"/>
+                </a:moveTo>
+                <a:lnTo>
+                  <a:pt x="120000" y="0"/>
+                </a:lnTo>
+                <a:lnTo>
+                  <a:pt x="120000" y="120000"/>
+                </a:lnTo>
+                <a:lnTo>
+                  <a:pt x="0" y="120000"/>
+                </a:lnTo>
+                <a:close/>
+              </a:path>
+            </a:pathLst>
+          </a:custGeom>
+        </p:spPr>
+      </p:sp>
+      <p:sp>
+        <p:nvSpPr>
+          <p:cNvPr id="138" name="Google Shape;138;g1066ebbbc79_0_105:notes"/>
           <p:cNvSpPr txBox="1"/>
           <p:nvPr>
             <p:ph idx="1" type="body"/>
@@ -1621,7 +1721,7 @@
       </p:grpSpPr>
       <p:sp>
         <p:nvSpPr>
-          <p:cNvPr id="124" name="Google Shape;124;g12b088e6488_1_42:notes"/>
+          <p:cNvPr id="124" name="Google Shape;124;g12be15f8b89_0_6:notes"/>
           <p:cNvSpPr/>
           <p:nvPr>
             <p:ph idx="2" type="sldImg"/>
@@ -1656,7 +1756,7 @@
       </p:sp>
       <p:sp>
         <p:nvSpPr>
-          <p:cNvPr id="125" name="Google Shape;125;g12b088e6488_1_42:notes"/>
+          <p:cNvPr id="125" name="Google Shape;125;g12be15f8b89_0_6:notes"/>
           <p:cNvSpPr txBox="1"/>
           <p:nvPr>
             <p:ph idx="1" type="body"/>
@@ -7442,7 +7542,7 @@
   <p:cSld>
     <p:spTree>
       <p:nvGrpSpPr>
-        <p:cNvPr id="132" name="Shape 132"/>
+        <p:cNvPr id="133" name="Shape 133"/>
         <p:cNvGrpSpPr/>
         <p:nvPr/>
       </p:nvGrpSpPr>
@@ -7456,7 +7556,132 @@
       </p:grpSpPr>
       <p:sp>
         <p:nvSpPr>
-          <p:cNvPr id="133" name="Google Shape;133;p22"/>
+          <p:cNvPr id="134" name="Google Shape;134;p22"/>
+          <p:cNvSpPr txBox="1"/>
+          <p:nvPr>
+            <p:ph type="title"/>
+          </p:nvPr>
+        </p:nvSpPr>
+        <p:spPr>
+          <a:xfrm>
+            <a:off x="3522150" y="2156100"/>
+            <a:ext cx="2269800" cy="831300"/>
+          </a:xfrm>
+          <a:prstGeom prst="rect">
+            <a:avLst/>
+          </a:prstGeom>
+        </p:spPr>
+        <p:txBody>
+          <a:bodyPr anchorCtr="0" anchor="b" bIns="91425" lIns="91425" spcFirstLastPara="1" rIns="91425" wrap="square" tIns="91425">
+            <a:normAutofit fontScale="90000"/>
+          </a:bodyPr>
+          <a:lstStyle/>
+          <a:p>
+            <a:pPr indent="0" lvl="0" marL="0" rtl="0" algn="l">
+              <a:spcBef>
+                <a:spcPts val="0"/>
+              </a:spcBef>
+              <a:spcAft>
+                <a:spcPts val="0"/>
+              </a:spcAft>
+              <a:buNone/>
+            </a:pPr>
+            <a:r>
+              <a:rPr lang="hu">
+                <a:latin typeface="Open Sans"/>
+                <a:ea typeface="Open Sans"/>
+                <a:cs typeface="Open Sans"/>
+                <a:sym typeface="Open Sans"/>
+              </a:rPr>
+              <a:t>Kérdések</a:t>
+            </a:r>
+            <a:endParaRPr>
+              <a:latin typeface="Open Sans"/>
+              <a:ea typeface="Open Sans"/>
+              <a:cs typeface="Open Sans"/>
+              <a:sym typeface="Open Sans"/>
+            </a:endParaRPr>
+          </a:p>
+        </p:txBody>
+      </p:sp>
+      <p:sp>
+        <p:nvSpPr>
+          <p:cNvPr id="135" name="Google Shape;135;p22"/>
+          <p:cNvSpPr txBox="1"/>
+          <p:nvPr>
+            <p:ph idx="12" type="sldNum"/>
+          </p:nvPr>
+        </p:nvSpPr>
+        <p:spPr>
+          <a:xfrm>
+            <a:off x="8472458" y="4663217"/>
+            <a:ext cx="548700" cy="393600"/>
+          </a:xfrm>
+          <a:prstGeom prst="rect">
+            <a:avLst/>
+          </a:prstGeom>
+        </p:spPr>
+        <p:txBody>
+          <a:bodyPr anchorCtr="0" anchor="ctr" bIns="91425" lIns="91425" spcFirstLastPara="1" rIns="91425" wrap="square" tIns="91425">
+            <a:normAutofit/>
+          </a:bodyPr>
+          <a:lstStyle/>
+          <a:p>
+            <a:pPr indent="0" lvl="0" marL="0" rtl="0" algn="r">
+              <a:spcBef>
+                <a:spcPts val="0"/>
+              </a:spcBef>
+              <a:spcAft>
+                <a:spcPts val="0"/>
+              </a:spcAft>
+              <a:buNone/>
+            </a:pPr>
+            <a:fld id="{00000000-1234-1234-1234-123412341234}" type="slidenum">
+              <a:rPr lang="hu">
+                <a:latin typeface="Open Sans"/>
+                <a:ea typeface="Open Sans"/>
+                <a:cs typeface="Open Sans"/>
+                <a:sym typeface="Open Sans"/>
+              </a:rPr>
+              <a:t>‹#›</a:t>
+            </a:fld>
+            <a:endParaRPr>
+              <a:latin typeface="Open Sans"/>
+              <a:ea typeface="Open Sans"/>
+              <a:cs typeface="Open Sans"/>
+              <a:sym typeface="Open Sans"/>
+            </a:endParaRPr>
+          </a:p>
+        </p:txBody>
+      </p:sp>
+    </p:spTree>
+  </p:cSld>
+  <p:clrMapOvr>
+    <a:masterClrMapping/>
+  </p:clrMapOvr>
+</p:sld>
+</file>
+
+<file path=ppt/slides/slide11.xml><?xml version="1.0" encoding="utf-8"?>
+<p:sld xmlns:a="http://schemas.openxmlformats.org/drawingml/2006/main" xmlns:r="http://schemas.openxmlformats.org/officeDocument/2006/relationships" xmlns:mc="http://schemas.openxmlformats.org/markup-compatibility/2006" xmlns:mv="urn:schemas-microsoft-com:mac:vml" xmlns:p="http://schemas.openxmlformats.org/presentationml/2006/main" xmlns:c="http://schemas.openxmlformats.org/drawingml/2006/chart" xmlns:dgm="http://schemas.openxmlformats.org/drawingml/2006/diagram" xmlns:o="urn:schemas-microsoft-com:office:office" xmlns:v="urn:schemas-microsoft-com:vml" xmlns:pvml="urn:schemas-microsoft-com:office:powerpoint" xmlns:com="http://schemas.openxmlformats.org/drawingml/2006/compatibility" xmlns:p14="http://schemas.microsoft.com/office/powerpoint/2010/main" xmlns:p15="http://schemas.microsoft.com/office/powerpoint/2012/main" xmlns:ahyp="http://schemas.microsoft.com/office/drawing/2018/hyperlinkcolor">
+  <p:cSld>
+    <p:spTree>
+      <p:nvGrpSpPr>
+        <p:cNvPr id="139" name="Shape 139"/>
+        <p:cNvGrpSpPr/>
+        <p:nvPr/>
+      </p:nvGrpSpPr>
+      <p:grpSpPr>
+        <a:xfrm>
+          <a:off x="0" y="0"/>
+          <a:ext cx="0" cy="0"/>
+          <a:chOff x="0" y="0"/>
+          <a:chExt cx="0" cy="0"/>
+        </a:xfrm>
+      </p:grpSpPr>
+      <p:sp>
+        <p:nvSpPr>
+          <p:cNvPr id="140" name="Google Shape;140;p23"/>
           <p:cNvSpPr txBox="1"/>
           <p:nvPr>
             <p:ph type="title"/>
@@ -7506,7 +7731,7 @@
       </p:sp>
       <p:sp>
         <p:nvSpPr>
-          <p:cNvPr id="134" name="Google Shape;134;p22"/>
+          <p:cNvPr id="141" name="Google Shape;141;p23"/>
           <p:cNvSpPr txBox="1"/>
           <p:nvPr>
             <p:ph idx="12" type="sldNum"/>
@@ -9056,8 +9281,8 @@
         </p:nvSpPr>
         <p:spPr>
           <a:xfrm>
-            <a:off x="3522150" y="2156100"/>
-            <a:ext cx="2269800" cy="831300"/>
+            <a:off x="311700" y="315925"/>
+            <a:ext cx="8520600" cy="831300"/>
           </a:xfrm>
           <a:prstGeom prst="rect">
             <a:avLst/>
@@ -9065,7 +9290,7 @@
         </p:spPr>
         <p:txBody>
           <a:bodyPr anchorCtr="0" anchor="b" bIns="91425" lIns="91425" spcFirstLastPara="1" rIns="91425" wrap="square" tIns="91425">
-            <a:normAutofit fontScale="90000"/>
+            <a:normAutofit/>
           </a:bodyPr>
           <a:lstStyle/>
           <a:p>
@@ -9085,7 +9310,7 @@
                 <a:cs typeface="Open Sans"/>
                 <a:sym typeface="Open Sans"/>
               </a:rPr>
-              <a:t>Kérdések</a:t>
+              <a:t>Merre tovább?</a:t>
             </a:r>
             <a:endParaRPr>
               <a:latin typeface="Open Sans"/>
@@ -9128,16 +9353,218 @@
               </a:spcAft>
               <a:buNone/>
             </a:pPr>
-            <a:fld id="{00000000-1234-1234-1234-123412341234}" type="slidenum">
+            <a:r>
               <a:rPr lang="hu">
                 <a:latin typeface="Open Sans"/>
                 <a:ea typeface="Open Sans"/>
                 <a:cs typeface="Open Sans"/>
                 <a:sym typeface="Open Sans"/>
               </a:rPr>
-              <a:t>‹#›</a:t>
-            </a:fld>
+              <a:t>10</a:t>
+            </a:r>
             <a:endParaRPr>
+              <a:latin typeface="Open Sans"/>
+              <a:ea typeface="Open Sans"/>
+              <a:cs typeface="Open Sans"/>
+              <a:sym typeface="Open Sans"/>
+            </a:endParaRPr>
+          </a:p>
+        </p:txBody>
+      </p:sp>
+      <p:sp>
+        <p:nvSpPr>
+          <p:cNvPr id="129" name="Google Shape;129;p21"/>
+          <p:cNvSpPr txBox="1"/>
+          <p:nvPr/>
+        </p:nvSpPr>
+        <p:spPr>
+          <a:xfrm>
+            <a:off x="998100" y="1668375"/>
+            <a:ext cx="7190700" cy="2055000"/>
+          </a:xfrm>
+          <a:prstGeom prst="rect">
+            <a:avLst/>
+          </a:prstGeom>
+          <a:noFill/>
+          <a:ln>
+            <a:noFill/>
+          </a:ln>
+        </p:spPr>
+        <p:txBody>
+          <a:bodyPr anchorCtr="0" anchor="t" bIns="91425" lIns="91425" spcFirstLastPara="1" rIns="91425" wrap="square" tIns="91425">
+            <a:spAutoFit/>
+          </a:bodyPr>
+          <a:lstStyle/>
+          <a:p>
+            <a:pPr indent="-342900" lvl="0" marL="457200" rtl="0" algn="l">
+              <a:lnSpc>
+                <a:spcPct val="115000"/>
+              </a:lnSpc>
+              <a:spcBef>
+                <a:spcPts val="0"/>
+              </a:spcBef>
+              <a:spcAft>
+                <a:spcPts val="0"/>
+              </a:spcAft>
+              <a:buClr>
+                <a:schemeClr val="dk1"/>
+              </a:buClr>
+              <a:buSzPts val="1800"/>
+              <a:buFont typeface="Open Sans"/>
+              <a:buChar char="●"/>
+            </a:pPr>
+            <a:r>
+              <a:rPr lang="hu" sz="1800">
+                <a:latin typeface="Open Sans"/>
+                <a:ea typeface="Open Sans"/>
+                <a:cs typeface="Open Sans"/>
+                <a:sym typeface="Open Sans"/>
+              </a:rPr>
+              <a:t>Kijelző illesztése a terminálokhoz…</a:t>
+            </a:r>
+            <a:endParaRPr sz="1800">
+              <a:latin typeface="Open Sans"/>
+              <a:ea typeface="Open Sans"/>
+              <a:cs typeface="Open Sans"/>
+              <a:sym typeface="Open Sans"/>
+            </a:endParaRPr>
+          </a:p>
+          <a:p>
+            <a:pPr indent="-342900" lvl="0" marL="457200" rtl="0" algn="l">
+              <a:lnSpc>
+                <a:spcPct val="115000"/>
+              </a:lnSpc>
+              <a:spcBef>
+                <a:spcPts val="0"/>
+              </a:spcBef>
+              <a:spcAft>
+                <a:spcPts val="0"/>
+              </a:spcAft>
+              <a:buSzPts val="1800"/>
+              <a:buFont typeface="Open Sans"/>
+              <a:buChar char="●"/>
+            </a:pPr>
+            <a:r>
+              <a:rPr lang="hu" sz="1800">
+                <a:latin typeface="Open Sans"/>
+                <a:ea typeface="Open Sans"/>
+                <a:cs typeface="Open Sans"/>
+                <a:sym typeface="Open Sans"/>
+              </a:rPr>
+              <a:t>Apróságok fejlesztése (címezhető LED, csipogó, jobb algoritmus)...</a:t>
+            </a:r>
+            <a:endParaRPr sz="1800">
+              <a:latin typeface="Open Sans"/>
+              <a:ea typeface="Open Sans"/>
+              <a:cs typeface="Open Sans"/>
+              <a:sym typeface="Open Sans"/>
+            </a:endParaRPr>
+          </a:p>
+          <a:p>
+            <a:pPr indent="-342900" lvl="0" marL="457200" rtl="0" algn="l">
+              <a:lnSpc>
+                <a:spcPct val="115000"/>
+              </a:lnSpc>
+              <a:spcBef>
+                <a:spcPts val="0"/>
+              </a:spcBef>
+              <a:spcAft>
+                <a:spcPts val="0"/>
+              </a:spcAft>
+              <a:buSzPts val="1800"/>
+              <a:buFont typeface="Open Sans"/>
+              <a:buChar char="●"/>
+            </a:pPr>
+            <a:r>
+              <a:rPr lang="hu" sz="1800">
+                <a:latin typeface="Open Sans"/>
+                <a:ea typeface="Open Sans"/>
+                <a:cs typeface="Open Sans"/>
+                <a:sym typeface="Open Sans"/>
+              </a:rPr>
+              <a:t>Saját nyák tervezése…</a:t>
+            </a:r>
+            <a:endParaRPr sz="1800">
+              <a:latin typeface="Open Sans"/>
+              <a:ea typeface="Open Sans"/>
+              <a:cs typeface="Open Sans"/>
+              <a:sym typeface="Open Sans"/>
+            </a:endParaRPr>
+          </a:p>
+          <a:p>
+            <a:pPr indent="-342900" lvl="0" marL="457200" rtl="0" algn="l">
+              <a:lnSpc>
+                <a:spcPct val="115000"/>
+              </a:lnSpc>
+              <a:spcBef>
+                <a:spcPts val="0"/>
+              </a:spcBef>
+              <a:spcAft>
+                <a:spcPts val="0"/>
+              </a:spcAft>
+              <a:buSzPts val="1800"/>
+              <a:buFont typeface="Open Sans"/>
+              <a:buChar char="●"/>
+            </a:pPr>
+            <a:r>
+              <a:rPr lang="hu" sz="1800">
+                <a:latin typeface="Open Sans"/>
+                <a:ea typeface="Open Sans"/>
+                <a:cs typeface="Open Sans"/>
+                <a:sym typeface="Open Sans"/>
+              </a:rPr>
+              <a:t>3D nyomtatott ház</a:t>
+            </a:r>
+            <a:endParaRPr sz="1800">
+              <a:latin typeface="Open Sans"/>
+              <a:ea typeface="Open Sans"/>
+              <a:cs typeface="Open Sans"/>
+              <a:sym typeface="Open Sans"/>
+            </a:endParaRPr>
+          </a:p>
+          <a:p>
+            <a:pPr indent="-342900" lvl="0" marL="457200" rtl="0" algn="l">
+              <a:lnSpc>
+                <a:spcPct val="115000"/>
+              </a:lnSpc>
+              <a:spcBef>
+                <a:spcPts val="0"/>
+              </a:spcBef>
+              <a:spcAft>
+                <a:spcPts val="0"/>
+              </a:spcAft>
+              <a:buSzPts val="1800"/>
+              <a:buFont typeface="Open Sans"/>
+              <a:buChar char="●"/>
+            </a:pPr>
+            <a:r>
+              <a:rPr lang="hu" sz="1800">
+                <a:latin typeface="Open Sans"/>
+                <a:ea typeface="Open Sans"/>
+                <a:cs typeface="Open Sans"/>
+                <a:sym typeface="Open Sans"/>
+              </a:rPr>
+              <a:t>Kamera modul + </a:t>
+            </a:r>
+            <a:r>
+              <a:rPr lang="hu" sz="1800">
+                <a:latin typeface="Open Sans"/>
+                <a:ea typeface="Open Sans"/>
+                <a:cs typeface="Open Sans"/>
+                <a:sym typeface="Open Sans"/>
+              </a:rPr>
+              <a:t>arcfelismerés</a:t>
+            </a:r>
+            <a:r>
+              <a:rPr lang="hu" sz="1800">
+                <a:latin typeface="Open Sans"/>
+                <a:ea typeface="Open Sans"/>
+                <a:cs typeface="Open Sans"/>
+                <a:sym typeface="Open Sans"/>
+              </a:rPr>
+              <a:t>…</a:t>
+            </a:r>
+            <a:endParaRPr sz="1800">
               <a:latin typeface="Open Sans"/>
               <a:ea typeface="Open Sans"/>
               <a:cs typeface="Open Sans"/>
